--- a/Life/18 October, 2021 (15 minute life.pptx
+++ b/Life/18 October, 2021 (15 minute life.pptx
@@ -275,7 +275,7 @@
           <a:p>
             <a:fld id="{EB0F93B6-4B6C-4351-86CC-3E8686F4D0B0}" type="datetimeFigureOut">
               <a:rPr lang="en-IN" smtClean="0"/>
-              <a:t>18-10-2021</a:t>
+              <a:t>20-10-2021</a:t>
             </a:fld>
             <a:endParaRPr lang="en-IN"/>
           </a:p>
@@ -475,7 +475,7 @@
           <a:p>
             <a:fld id="{EB0F93B6-4B6C-4351-86CC-3E8686F4D0B0}" type="datetimeFigureOut">
               <a:rPr lang="en-IN" smtClean="0"/>
-              <a:t>18-10-2021</a:t>
+              <a:t>20-10-2021</a:t>
             </a:fld>
             <a:endParaRPr lang="en-IN"/>
           </a:p>
@@ -685,7 +685,7 @@
           <a:p>
             <a:fld id="{EB0F93B6-4B6C-4351-86CC-3E8686F4D0B0}" type="datetimeFigureOut">
               <a:rPr lang="en-IN" smtClean="0"/>
-              <a:t>18-10-2021</a:t>
+              <a:t>20-10-2021</a:t>
             </a:fld>
             <a:endParaRPr lang="en-IN"/>
           </a:p>
@@ -885,7 +885,7 @@
           <a:p>
             <a:fld id="{EB0F93B6-4B6C-4351-86CC-3E8686F4D0B0}" type="datetimeFigureOut">
               <a:rPr lang="en-IN" smtClean="0"/>
-              <a:t>18-10-2021</a:t>
+              <a:t>20-10-2021</a:t>
             </a:fld>
             <a:endParaRPr lang="en-IN"/>
           </a:p>
@@ -1161,7 +1161,7 @@
           <a:p>
             <a:fld id="{EB0F93B6-4B6C-4351-86CC-3E8686F4D0B0}" type="datetimeFigureOut">
               <a:rPr lang="en-IN" smtClean="0"/>
-              <a:t>18-10-2021</a:t>
+              <a:t>20-10-2021</a:t>
             </a:fld>
             <a:endParaRPr lang="en-IN"/>
           </a:p>
@@ -1429,7 +1429,7 @@
           <a:p>
             <a:fld id="{EB0F93B6-4B6C-4351-86CC-3E8686F4D0B0}" type="datetimeFigureOut">
               <a:rPr lang="en-IN" smtClean="0"/>
-              <a:t>18-10-2021</a:t>
+              <a:t>20-10-2021</a:t>
             </a:fld>
             <a:endParaRPr lang="en-IN"/>
           </a:p>
@@ -1844,7 +1844,7 @@
           <a:p>
             <a:fld id="{EB0F93B6-4B6C-4351-86CC-3E8686F4D0B0}" type="datetimeFigureOut">
               <a:rPr lang="en-IN" smtClean="0"/>
-              <a:t>18-10-2021</a:t>
+              <a:t>20-10-2021</a:t>
             </a:fld>
             <a:endParaRPr lang="en-IN"/>
           </a:p>
@@ -1986,7 +1986,7 @@
           <a:p>
             <a:fld id="{EB0F93B6-4B6C-4351-86CC-3E8686F4D0B0}" type="datetimeFigureOut">
               <a:rPr lang="en-IN" smtClean="0"/>
-              <a:t>18-10-2021</a:t>
+              <a:t>20-10-2021</a:t>
             </a:fld>
             <a:endParaRPr lang="en-IN"/>
           </a:p>
@@ -2099,7 +2099,7 @@
           <a:p>
             <a:fld id="{EB0F93B6-4B6C-4351-86CC-3E8686F4D0B0}" type="datetimeFigureOut">
               <a:rPr lang="en-IN" smtClean="0"/>
-              <a:t>18-10-2021</a:t>
+              <a:t>20-10-2021</a:t>
             </a:fld>
             <a:endParaRPr lang="en-IN"/>
           </a:p>
@@ -2412,7 +2412,7 @@
           <a:p>
             <a:fld id="{EB0F93B6-4B6C-4351-86CC-3E8686F4D0B0}" type="datetimeFigureOut">
               <a:rPr lang="en-IN" smtClean="0"/>
-              <a:t>18-10-2021</a:t>
+              <a:t>20-10-2021</a:t>
             </a:fld>
             <a:endParaRPr lang="en-IN"/>
           </a:p>
@@ -2701,7 +2701,7 @@
           <a:p>
             <a:fld id="{EB0F93B6-4B6C-4351-86CC-3E8686F4D0B0}" type="datetimeFigureOut">
               <a:rPr lang="en-IN" smtClean="0"/>
-              <a:t>18-10-2021</a:t>
+              <a:t>20-10-2021</a:t>
             </a:fld>
             <a:endParaRPr lang="en-IN"/>
           </a:p>
@@ -2944,7 +2944,7 @@
           <a:p>
             <a:fld id="{EB0F93B6-4B6C-4351-86CC-3E8686F4D0B0}" type="datetimeFigureOut">
               <a:rPr lang="en-IN" smtClean="0"/>
-              <a:t>18-10-2021</a:t>
+              <a:t>20-10-2021</a:t>
             </a:fld>
             <a:endParaRPr lang="en-IN"/>
           </a:p>
@@ -5277,6 +5277,10 @@
           <a:bodyPr/>
           <a:lstStyle/>
           <a:p>
+            <a:r>
+              <a:rPr lang="en-US"/>
+              <a:t>9</a:t>
+            </a:r>
             <a:endParaRPr lang="en-IN" dirty="0"/>
           </a:p>
         </p:txBody>
